--- a/_resources/templates/pptx/cosmic-latte.pptx
+++ b/_resources/templates/pptx/cosmic-latte.pptx
@@ -214,7 +214,7 @@
           <a:p>
             <a:fld id="{0F9C1CCF-B725-44A7-AA57-5E433BD85C9F}" type="datetimeFigureOut">
               <a:rPr lang="en-US" smtClean="0"/>
-              <a:t>3/8/21</a:t>
+              <a:t>1/31/22</a:t>
             </a:fld>
             <a:endParaRPr lang="en-US"/>
           </a:p>
@@ -734,7 +734,7 @@
           <a:p>
             <a:fld id="{241EB5C9-1307-BA42-ABA2-0BC069CD8E7F}" type="datetimeFigureOut">
               <a:rPr lang="en-US" smtClean="0"/>
-              <a:t>3/8/21</a:t>
+              <a:t>1/31/22</a:t>
             </a:fld>
             <a:endParaRPr lang="en-US"/>
           </a:p>
@@ -958,7 +958,7 @@
           <a:p>
             <a:fld id="{241EB5C9-1307-BA42-ABA2-0BC069CD8E7F}" type="datetimeFigureOut">
               <a:rPr lang="en-US" smtClean="0"/>
-              <a:t>3/8/21</a:t>
+              <a:t>1/31/22</a:t>
             </a:fld>
             <a:endParaRPr lang="en-US"/>
           </a:p>
@@ -1187,7 +1187,7 @@
           <a:p>
             <a:fld id="{241EB5C9-1307-BA42-ABA2-0BC069CD8E7F}" type="datetimeFigureOut">
               <a:rPr lang="en-US" smtClean="0"/>
-              <a:t>3/8/21</a:t>
+              <a:t>1/31/22</a:t>
             </a:fld>
             <a:endParaRPr lang="en-US"/>
           </a:p>
@@ -1480,7 +1480,7 @@
           <a:p>
             <a:fld id="{241EB5C9-1307-BA42-ABA2-0BC069CD8E7F}" type="datetimeFigureOut">
               <a:rPr lang="en-US" smtClean="0"/>
-              <a:t>3/8/21</a:t>
+              <a:t>1/31/22</a:t>
             </a:fld>
             <a:endParaRPr lang="en-US"/>
           </a:p>
@@ -1754,7 +1754,7 @@
           <a:p>
             <a:fld id="{241EB5C9-1307-BA42-ABA2-0BC069CD8E7F}" type="datetimeFigureOut">
               <a:rPr lang="en-US" smtClean="0"/>
-              <a:t>3/8/21</a:t>
+              <a:t>1/31/22</a:t>
             </a:fld>
             <a:endParaRPr lang="en-US"/>
           </a:p>
@@ -1922,7 +1922,7 @@
           <a:p>
             <a:fld id="{241EB5C9-1307-BA42-ABA2-0BC069CD8E7F}" type="datetimeFigureOut">
               <a:rPr lang="en-US" smtClean="0"/>
-              <a:t>3/8/21</a:t>
+              <a:t>1/31/22</a:t>
             </a:fld>
             <a:endParaRPr lang="en-US"/>
           </a:p>
@@ -2276,7 +2276,7 @@
           <a:p>
             <a:fld id="{241EB5C9-1307-BA42-ABA2-0BC069CD8E7F}" type="datetimeFigureOut">
               <a:rPr lang="en-US" smtClean="0"/>
-              <a:t>3/8/21</a:t>
+              <a:t>1/31/22</a:t>
             </a:fld>
             <a:endParaRPr lang="en-US"/>
           </a:p>
@@ -2722,7 +2722,7 @@
           <a:p>
             <a:fld id="{241EB5C9-1307-BA42-ABA2-0BC069CD8E7F}" type="datetimeFigureOut">
               <a:rPr lang="en-US" smtClean="0"/>
-              <a:t>3/8/21</a:t>
+              <a:t>1/31/22</a:t>
             </a:fld>
             <a:endParaRPr lang="en-US"/>
           </a:p>
@@ -2888,7 +2888,7 @@
           <a:p>
             <a:fld id="{241EB5C9-1307-BA42-ABA2-0BC069CD8E7F}" type="datetimeFigureOut">
               <a:rPr lang="en-US" smtClean="0"/>
-              <a:t>3/8/21</a:t>
+              <a:t>1/31/22</a:t>
             </a:fld>
             <a:endParaRPr lang="en-US"/>
           </a:p>
@@ -3009,7 +3009,7 @@
           <a:p>
             <a:fld id="{241EB5C9-1307-BA42-ABA2-0BC069CD8E7F}" type="datetimeFigureOut">
               <a:rPr lang="en-US" smtClean="0"/>
-              <a:t>3/8/21</a:t>
+              <a:t>1/31/22</a:t>
             </a:fld>
             <a:endParaRPr lang="en-US"/>
           </a:p>
@@ -3140,7 +3140,7 @@
             <a:lvl1pPr>
               <a:defRPr sz="2800">
                 <a:solidFill>
-                  <a:srgbClr val="1A1A1A"/>
+                  <a:srgbClr val="DC322F"/>
                 </a:solidFill>
               </a:defRPr>
             </a:lvl1pPr>
@@ -3341,7 +3341,7 @@
           <a:p>
             <a:fld id="{241EB5C9-1307-BA42-ABA2-0BC069CD8E7F}" type="datetimeFigureOut">
               <a:rPr lang="en-US" smtClean="0"/>
-              <a:t>3/8/21</a:t>
+              <a:t>1/31/22</a:t>
             </a:fld>
             <a:endParaRPr lang="en-US"/>
           </a:p>
@@ -3470,7 +3470,7 @@
             <a:lvl1pPr>
               <a:defRPr sz="1800">
                 <a:solidFill>
-                  <a:srgbClr val="1A1A1A"/>
+                  <a:srgbClr val="DC322F"/>
                 </a:solidFill>
               </a:defRPr>
             </a:lvl1pPr>
@@ -3649,7 +3649,7 @@
           <a:p>
             <a:fld id="{241EB5C9-1307-BA42-ABA2-0BC069CD8E7F}" type="datetimeFigureOut">
               <a:rPr lang="en-US" smtClean="0"/>
-              <a:t>3/8/21</a:t>
+              <a:t>1/31/22</a:t>
             </a:fld>
             <a:endParaRPr lang="en-US"/>
           </a:p>
@@ -3864,7 +3864,7 @@
           <a:p>
             <a:fld id="{241EB5C9-1307-BA42-ABA2-0BC069CD8E7F}" type="datetimeFigureOut">
               <a:rPr lang="en-US" smtClean="0"/>
-              <a:t>3/8/21</a:t>
+              <a:t>1/31/22</a:t>
             </a:fld>
             <a:endParaRPr lang="en-US"/>
           </a:p>

--- a/_resources/templates/pptx/cosmic-latte.pptx
+++ b/_resources/templates/pptx/cosmic-latte.pptx
@@ -3133,7 +3133,7 @@
           </a:prstGeom>
         </p:spPr>
         <p:txBody>
-          <a:bodyPr anchor="b">
+          <a:bodyPr anchor="ctr">
             <a:normAutofit/>
           </a:bodyPr>
           <a:lstStyle>
@@ -3274,7 +3274,7 @@
           <a:lstStyle>
             <a:lvl1pPr marL="0" indent="0">
               <a:buNone/>
-              <a:defRPr sz="1400"/>
+              <a:defRPr sz="1800"/>
             </a:lvl1pPr>
             <a:lvl2pPr marL="257175" indent="0">
               <a:buNone/>
@@ -3465,10 +3465,12 @@
           </a:prstGeom>
         </p:spPr>
         <p:txBody>
-          <a:bodyPr anchor="b"/>
+          <a:bodyPr anchor="ctr">
+            <a:normAutofit/>
+          </a:bodyPr>
           <a:lstStyle>
             <a:lvl1pPr>
-              <a:defRPr sz="1800">
+              <a:defRPr sz="2800">
                 <a:solidFill>
                   <a:srgbClr val="DC322F"/>
                 </a:solidFill>
@@ -3578,11 +3580,13 @@
           </a:xfrm>
         </p:spPr>
         <p:txBody>
-          <a:bodyPr/>
+          <a:bodyPr>
+            <a:normAutofit/>
+          </a:bodyPr>
           <a:lstStyle>
             <a:lvl1pPr marL="0" indent="0">
               <a:buNone/>
-              <a:defRPr sz="900"/>
+              <a:defRPr sz="1800"/>
             </a:lvl1pPr>
             <a:lvl2pPr marL="257175" indent="0">
               <a:buNone/>
@@ -4051,7 +4055,7 @@
         </a:spcBef>
         <a:buFont typeface="Arial" panose="020B0604020202020204" pitchFamily="34" charset="0"/>
         <a:buChar char="•"/>
-        <a:defRPr sz="1600" b="0" i="0" kern="1200" baseline="0">
+        <a:defRPr sz="1800" b="0" i="0" kern="1200" baseline="0">
           <a:solidFill>
             <a:srgbClr val="1A1A1A"/>
           </a:solidFill>
@@ -4069,7 +4073,7 @@
         </a:spcBef>
         <a:buFont typeface="Arial" panose="020B0604020202020204" pitchFamily="34" charset="0"/>
         <a:buChar char="•"/>
-        <a:defRPr sz="1600" b="0" i="0" kern="1200" baseline="0">
+        <a:defRPr sz="1800" b="0" i="0" kern="1200" baseline="0">
           <a:solidFill>
             <a:srgbClr val="1A1A1A"/>
           </a:solidFill>
@@ -4087,7 +4091,7 @@
         </a:spcBef>
         <a:buFont typeface="Arial" panose="020B0604020202020204" pitchFamily="34" charset="0"/>
         <a:buChar char="•"/>
-        <a:defRPr sz="1600" b="0" i="0" kern="1200" baseline="0">
+        <a:defRPr sz="1800" b="0" i="0" kern="1200" baseline="0">
           <a:solidFill>
             <a:srgbClr val="1A1A1A"/>
           </a:solidFill>
@@ -4105,7 +4109,7 @@
         </a:spcBef>
         <a:buFont typeface="Arial" panose="020B0604020202020204" pitchFamily="34" charset="0"/>
         <a:buChar char="•"/>
-        <a:defRPr sz="1600" b="0" i="0" kern="1200" baseline="0">
+        <a:defRPr sz="1800" b="0" i="0" kern="1200" baseline="0">
           <a:solidFill>
             <a:srgbClr val="1A1A1A"/>
           </a:solidFill>
@@ -4123,7 +4127,7 @@
         </a:spcBef>
         <a:buFont typeface="Arial" panose="020B0604020202020204" pitchFamily="34" charset="0"/>
         <a:buChar char="•"/>
-        <a:defRPr sz="1600" b="0" i="0" kern="1200" baseline="0">
+        <a:defRPr sz="1800" b="0" i="0" kern="1200" baseline="0">
           <a:solidFill>
             <a:srgbClr val="1A1A1A"/>
           </a:solidFill>
